--- a/example.pptx
+++ b/example.pptx
@@ -3305,7 +3305,7 @@
         </p:blipFill>
         <p:spPr>
           <a:xfrm>
-            <a:off x="3" y="2"/>
+            <a:off x="2743200" y="1828800"/>
             <a:ext cx="2857500" cy="2857500"/>
           </a:xfrm>
           <a:prstGeom prst="rect">

--- a/example.pptx
+++ b/example.pptx
@@ -3175,17 +3175,24 @@
       </p:sp>
       <p:sp>
         <p:nvSpPr>
-          <p:cNvPr id="3" name="Content Placeholder 2"/>
-          <p:cNvSpPr>
-            <a:spLocks noGrp="1"/>
-          </p:cNvSpPr>
-          <p:nvPr>
-            <p:ph idx="1"/>
-          </p:nvPr>
-        </p:nvSpPr>
-        <p:spPr/>
-        <p:txBody>
-          <a:bodyPr/>
+          <p:cNvPr id="3" name="TextBox 2"/>
+          <p:cNvSpPr txBox="1"/>
+          <p:nvPr/>
+        </p:nvSpPr>
+        <p:spPr>
+          <a:xfrm>
+            <a:off x="914400" y="1371600"/>
+            <a:ext cx="914400" cy="914400"/>
+          </a:xfrm>
+          <a:prstGeom prst="rect">
+            <a:avLst/>
+          </a:prstGeom>
+          <a:noFill/>
+        </p:spPr>
+        <p:txBody>
+          <a:bodyPr wrap="none">
+            <a:spAutoFit/>
+          </a:bodyPr>
           <a:lstStyle/>
           <a:p>
             <a:r>
@@ -3248,6 +3255,30 @@
           <a:bodyPr/>
           <a:lstStyle/>
           <a:p/>
+          <a:p>
+            <a:pPr lvl="1"/>
+            <a:r>
+              <a:t>The Level 1 Text</a:t>
+            </a:r>
+          </a:p>
+          <a:p>
+            <a:pPr lvl="2"/>
+            <a:r>
+              <a:t>The Level 2 Text</a:t>
+            </a:r>
+          </a:p>
+          <a:p>
+            <a:pPr lvl="2"/>
+            <a:r>
+              <a:t>The Level 2 Text</a:t>
+            </a:r>
+          </a:p>
+          <a:p>
+            <a:pPr lvl="1"/>
+            <a:r>
+              <a:t>The Level 1 Text</a:t>
+            </a:r>
+          </a:p>
         </p:txBody>
       </p:sp>
     </p:spTree>

--- a/example.pptx
+++ b/example.pptx
@@ -3383,30 +3383,6 @@
           </a:p>
         </p:txBody>
       </p:sp>
-      <p:pic>
-        <p:nvPicPr>
-          <p:cNvPr id="3" name="Picture 2" descr="xy_plot.png"/>
-          <p:cNvPicPr>
-            <a:picLocks noChangeAspect="1"/>
-          </p:cNvPicPr>
-          <p:nvPr/>
-        </p:nvPicPr>
-        <p:blipFill>
-          <a:blip r:embed="rId2"/>
-          <a:stretch>
-            <a:fillRect/>
-          </a:stretch>
-        </p:blipFill>
-        <p:spPr>
-          <a:xfrm>
-            <a:off x="1828800" y="1828800"/>
-            <a:ext cx="5486400" cy="3657600"/>
-          </a:xfrm>
-          <a:prstGeom prst="rect">
-            <a:avLst/>
-          </a:prstGeom>
-        </p:spPr>
-      </p:pic>
     </p:spTree>
   </p:cSld>
   <p:clrMapOvr>

--- a/example.pptx
+++ b/example.pptx
@@ -109,6 +109,164 @@
     </a:lvl9pPr>
   </p:defaultTextStyle>
 </p:presentation>
+</file>
+
+<file path=ppt/charts/chart1.xml><?xml version="1.0" encoding="utf-8"?>
+<c:chartSpace xmlns:c="http://schemas.openxmlformats.org/drawingml/2006/chart" xmlns:a="http://schemas.openxmlformats.org/drawingml/2006/main" xmlns:r="http://schemas.openxmlformats.org/officeDocument/2006/relationships">
+  <c:chart>
+    <c:plotArea>
+      <c:scatterChart>
+        <c:scatterStyle val="lineMarker"/>
+        <c:varyColors val="0"/>
+        <c:ser>
+          <c:idx val="0"/>
+          <c:order val="0"/>
+          <c:tx>
+            <c:strRef>
+              <c:f>Sheet1!$B$1</c:f>
+              <c:strCache>
+                <c:ptCount val="1"/>
+                <c:pt idx="0">
+                  <c:v/>
+                </c:pt>
+              </c:strCache>
+            </c:strRef>
+          </c:tx>
+          <c:spPr/>
+          <c:marker>
+            <c:symbol val="none"/>
+          </c:marker>
+          <c:xVal>
+            <c:numRef>
+              <c:f>Sheet1!$A$2:$A$5</c:f>
+              <c:numCache>
+                <c:formatCode>General</c:formatCode>
+                <c:ptCount val="4"/>
+                <c:pt idx="0">
+                  <c:v>1</c:v>
+                </c:pt>
+                <c:pt idx="1">
+                  <c:v>3</c:v>
+                </c:pt>
+                <c:pt idx="2">
+                  <c:v>5.6</c:v>
+                </c:pt>
+                <c:pt idx="3">
+                  <c:v>8.9</c:v>
+                </c:pt>
+              </c:numCache>
+            </c:numRef>
+          </c:xVal>
+          <c:yVal>
+            <c:numRef>
+              <c:f>Sheet1!$B$2:$B$5</c:f>
+              <c:numCache>
+                <c:formatCode>General</c:formatCode>
+                <c:ptCount val="4"/>
+                <c:pt idx="0">
+                  <c:v>2</c:v>
+                </c:pt>
+                <c:pt idx="1">
+                  <c:v>4</c:v>
+                </c:pt>
+                <c:pt idx="2">
+                  <c:v>6.7</c:v>
+                </c:pt>
+                <c:pt idx="3">
+                  <c:v>9.10</c:v>
+                </c:pt>
+              </c:numCache>
+            </c:numRef>
+          </c:yVal>
+          <c:smooth val="0"/>
+        </c:ser>
+        <c:axId val="-2128940872"/>
+        <c:axId val="-2129643912"/>
+      </c:scatterChart>
+      <c:valAx>
+        <c:axId val="-2128940872"/>
+        <c:scaling>
+          <c:orientation val="minMax"/>
+          <c:max val="9.0"/>
+          <c:min val="1.0"/>
+        </c:scaling>
+        <c:delete val="0"/>
+        <c:axPos val="b"/>
+        <c:title>
+          <c:tx>
+            <c:rich>
+              <a:bodyPr/>
+              <a:lstStyle/>
+              <a:p>
+                <a:r>
+                  <a:t>The Plot X Label</a:t>
+                </a:r>
+              </a:p>
+            </c:rich>
+          </c:tx>
+          <c:layout/>
+          <c:overlay val="0"/>
+        </c:title>
+        <c:numFmt formatCode="General" sourceLinked="1"/>
+        <c:majorTickMark val="out"/>
+        <c:minorTickMark val="none"/>
+        <c:tickLblPos val="nextTo"/>
+        <c:crossAx val="-2129643912"/>
+        <c:crosses val="autoZero"/>
+        <c:crossBetween val="midCat"/>
+      </c:valAx>
+      <c:valAx>
+        <c:axId val="-2129643912"/>
+        <c:scaling>
+          <c:orientation val="minMax"/>
+          <c:max val="10.0"/>
+          <c:min val="2.0"/>
+        </c:scaling>
+        <c:delete val="0"/>
+        <c:axPos val="l"/>
+        <c:majorGridlines/>
+        <c:title>
+          <c:tx>
+            <c:rich>
+              <a:bodyPr/>
+              <a:lstStyle/>
+              <a:p>
+                <a:r>
+                  <a:t>The Plot Y Label</a:t>
+                </a:r>
+              </a:p>
+            </c:rich>
+          </c:tx>
+          <c:layout/>
+          <c:overlay val="0"/>
+        </c:title>
+        <c:numFmt formatCode="General" sourceLinked="1"/>
+        <c:majorTickMark val="out"/>
+        <c:minorTickMark val="none"/>
+        <c:tickLblPos val="nextTo"/>
+        <c:crossAx val="-2128940872"/>
+        <c:crosses val="autoZero"/>
+        <c:crossBetween val="midCat"/>
+      </c:valAx>
+    </c:plotArea>
+    <c:plotVisOnly val="1"/>
+    <c:dispBlanksAs val="gap"/>
+    <c:showDLblsOverMax val="0"/>
+  </c:chart>
+  <c:txPr>
+    <a:bodyPr/>
+    <a:lstStyle/>
+    <a:p>
+      <a:pPr>
+        <a:defRPr sz="1800"/>
+      </a:pPr>
+      <a:endParaRPr lang="en-US"/>
+    </a:p>
+  </c:txPr>
+  <c:externalData r:id="rId1">
+    <c:autoUpdate val="0"/>
+  </c:externalData>
+</c:chartSpace>
 </file>
 
 <file path=ppt/slideLayouts/slideLayout1.xml><?xml version="1.0" encoding="utf-8"?>
@@ -3383,6 +3541,24 @@
           </a:p>
         </p:txBody>
       </p:sp>
+      <p:graphicFrame>
+        <p:nvGraphicFramePr>
+          <p:cNvPr id="3" name="Chart 2"/>
+          <p:cNvGraphicFramePr>
+            <a:graphicFrameLocks noGrp="1"/>
+          </p:cNvGraphicFramePr>
+          <p:nvPr/>
+        </p:nvGraphicFramePr>
+        <p:xfrm>
+          <a:off x="914400" y="1828800"/>
+          <a:ext cx="6400800" cy="4572000"/>
+        </p:xfrm>
+        <a:graphic>
+          <a:graphicData uri="http://schemas.openxmlformats.org/drawingml/2006/chart">
+            <c:chart xmlns:c="http://schemas.openxmlformats.org/drawingml/2006/chart" r:id="rId2"/>
+          </a:graphicData>
+        </a:graphic>
+      </p:graphicFrame>
     </p:spTree>
   </p:cSld>
   <p:clrMapOvr>
